--- a/27/PPT-27.pptx
+++ b/27/PPT-27.pptx
@@ -21,6 +21,12 @@
     <p:sldId id="268" r:id="rId15"/>
     <p:sldId id="269" r:id="rId16"/>
     <p:sldId id="270" r:id="rId17"/>
+    <p:sldId id="272" r:id="rId18"/>
+    <p:sldId id="273" r:id="rId19"/>
+    <p:sldId id="274" r:id="rId20"/>
+    <p:sldId id="277" r:id="rId21"/>
+    <p:sldId id="275" r:id="rId22"/>
+    <p:sldId id="276" r:id="rId23"/>
   </p:sldIdLst>
   <p:sldSz cx="9144000" cy="6858000" type="screen4x3"/>
   <p:notesSz cx="6858000" cy="9144000"/>
@@ -303,6 +309,7 @@
           <a:p>
             <a:fld id="{B8DA9FCC-4BC7-42FA-8050-A667096EA74D}" type="datetimeFigureOut">
               <a:rPr lang="en-US" smtClean="0"/>
+              <a:pPr/>
               <a:t>9/27/2021</a:t>
             </a:fld>
             <a:endParaRPr lang="en-US"/>
@@ -345,6 +352,7 @@
           <a:p>
             <a:fld id="{BF87A67D-0273-49C1-BC96-8CD2257BA14E}" type="slidenum">
               <a:rPr lang="en-US" smtClean="0"/>
+              <a:pPr/>
               <a:t>‹#›</a:t>
             </a:fld>
             <a:endParaRPr lang="en-US"/>
@@ -468,6 +476,7 @@
           <a:p>
             <a:fld id="{B8DA9FCC-4BC7-42FA-8050-A667096EA74D}" type="datetimeFigureOut">
               <a:rPr lang="en-US" smtClean="0"/>
+              <a:pPr/>
               <a:t>9/27/2021</a:t>
             </a:fld>
             <a:endParaRPr lang="en-US"/>
@@ -510,6 +519,7 @@
           <a:p>
             <a:fld id="{BF87A67D-0273-49C1-BC96-8CD2257BA14E}" type="slidenum">
               <a:rPr lang="en-US" smtClean="0"/>
+              <a:pPr/>
               <a:t>‹#›</a:t>
             </a:fld>
             <a:endParaRPr lang="en-US"/>
@@ -643,6 +653,7 @@
           <a:p>
             <a:fld id="{B8DA9FCC-4BC7-42FA-8050-A667096EA74D}" type="datetimeFigureOut">
               <a:rPr lang="en-US" smtClean="0"/>
+              <a:pPr/>
               <a:t>9/27/2021</a:t>
             </a:fld>
             <a:endParaRPr lang="en-US"/>
@@ -685,6 +696,7 @@
           <a:p>
             <a:fld id="{BF87A67D-0273-49C1-BC96-8CD2257BA14E}" type="slidenum">
               <a:rPr lang="en-US" smtClean="0"/>
+              <a:pPr/>
               <a:t>‹#›</a:t>
             </a:fld>
             <a:endParaRPr lang="en-US"/>
@@ -808,6 +820,7 @@
           <a:p>
             <a:fld id="{B8DA9FCC-4BC7-42FA-8050-A667096EA74D}" type="datetimeFigureOut">
               <a:rPr lang="en-US" smtClean="0"/>
+              <a:pPr/>
               <a:t>9/27/2021</a:t>
             </a:fld>
             <a:endParaRPr lang="en-US"/>
@@ -850,6 +863,7 @@
           <a:p>
             <a:fld id="{BF87A67D-0273-49C1-BC96-8CD2257BA14E}" type="slidenum">
               <a:rPr lang="en-US" smtClean="0"/>
+              <a:pPr/>
               <a:t>‹#›</a:t>
             </a:fld>
             <a:endParaRPr lang="en-US"/>
@@ -1049,6 +1063,7 @@
           <a:p>
             <a:fld id="{B8DA9FCC-4BC7-42FA-8050-A667096EA74D}" type="datetimeFigureOut">
               <a:rPr lang="en-US" smtClean="0"/>
+              <a:pPr/>
               <a:t>9/27/2021</a:t>
             </a:fld>
             <a:endParaRPr lang="en-US"/>
@@ -1091,6 +1106,7 @@
           <a:p>
             <a:fld id="{BF87A67D-0273-49C1-BC96-8CD2257BA14E}" type="slidenum">
               <a:rPr lang="en-US" smtClean="0"/>
+              <a:pPr/>
               <a:t>‹#›</a:t>
             </a:fld>
             <a:endParaRPr lang="en-US"/>
@@ -1332,6 +1348,7 @@
           <a:p>
             <a:fld id="{B8DA9FCC-4BC7-42FA-8050-A667096EA74D}" type="datetimeFigureOut">
               <a:rPr lang="en-US" smtClean="0"/>
+              <a:pPr/>
               <a:t>9/27/2021</a:t>
             </a:fld>
             <a:endParaRPr lang="en-US"/>
@@ -1374,6 +1391,7 @@
           <a:p>
             <a:fld id="{BF87A67D-0273-49C1-BC96-8CD2257BA14E}" type="slidenum">
               <a:rPr lang="en-US" smtClean="0"/>
+              <a:pPr/>
               <a:t>‹#›</a:t>
             </a:fld>
             <a:endParaRPr lang="en-US"/>
@@ -1749,6 +1767,7 @@
           <a:p>
             <a:fld id="{B8DA9FCC-4BC7-42FA-8050-A667096EA74D}" type="datetimeFigureOut">
               <a:rPr lang="en-US" smtClean="0"/>
+              <a:pPr/>
               <a:t>9/27/2021</a:t>
             </a:fld>
             <a:endParaRPr lang="en-US"/>
@@ -1791,6 +1810,7 @@
           <a:p>
             <a:fld id="{BF87A67D-0273-49C1-BC96-8CD2257BA14E}" type="slidenum">
               <a:rPr lang="en-US" smtClean="0"/>
+              <a:pPr/>
               <a:t>‹#›</a:t>
             </a:fld>
             <a:endParaRPr lang="en-US"/>
@@ -1862,6 +1882,7 @@
           <a:p>
             <a:fld id="{B8DA9FCC-4BC7-42FA-8050-A667096EA74D}" type="datetimeFigureOut">
               <a:rPr lang="en-US" smtClean="0"/>
+              <a:pPr/>
               <a:t>9/27/2021</a:t>
             </a:fld>
             <a:endParaRPr lang="en-US"/>
@@ -1904,6 +1925,7 @@
           <a:p>
             <a:fld id="{BF87A67D-0273-49C1-BC96-8CD2257BA14E}" type="slidenum">
               <a:rPr lang="en-US" smtClean="0"/>
+              <a:pPr/>
               <a:t>‹#›</a:t>
             </a:fld>
             <a:endParaRPr lang="en-US"/>
@@ -1952,6 +1974,7 @@
           <a:p>
             <a:fld id="{B8DA9FCC-4BC7-42FA-8050-A667096EA74D}" type="datetimeFigureOut">
               <a:rPr lang="en-US" smtClean="0"/>
+              <a:pPr/>
               <a:t>9/27/2021</a:t>
             </a:fld>
             <a:endParaRPr lang="en-US"/>
@@ -1994,6 +2017,7 @@
           <a:p>
             <a:fld id="{BF87A67D-0273-49C1-BC96-8CD2257BA14E}" type="slidenum">
               <a:rPr lang="en-US" smtClean="0"/>
+              <a:pPr/>
               <a:t>‹#›</a:t>
             </a:fld>
             <a:endParaRPr lang="en-US"/>
@@ -2224,6 +2248,7 @@
           <a:p>
             <a:fld id="{B8DA9FCC-4BC7-42FA-8050-A667096EA74D}" type="datetimeFigureOut">
               <a:rPr lang="en-US" smtClean="0"/>
+              <a:pPr/>
               <a:t>9/27/2021</a:t>
             </a:fld>
             <a:endParaRPr lang="en-US"/>
@@ -2266,6 +2291,7 @@
           <a:p>
             <a:fld id="{BF87A67D-0273-49C1-BC96-8CD2257BA14E}" type="slidenum">
               <a:rPr lang="en-US" smtClean="0"/>
+              <a:pPr/>
               <a:t>‹#›</a:t>
             </a:fld>
             <a:endParaRPr lang="en-US"/>
@@ -2472,6 +2498,7 @@
           <a:p>
             <a:fld id="{B8DA9FCC-4BC7-42FA-8050-A667096EA74D}" type="datetimeFigureOut">
               <a:rPr lang="en-US" smtClean="0"/>
+              <a:pPr/>
               <a:t>9/27/2021</a:t>
             </a:fld>
             <a:endParaRPr lang="en-US"/>
@@ -2514,6 +2541,7 @@
           <a:p>
             <a:fld id="{BF87A67D-0273-49C1-BC96-8CD2257BA14E}" type="slidenum">
               <a:rPr lang="en-US" smtClean="0"/>
+              <a:pPr/>
               <a:t>‹#›</a:t>
             </a:fld>
             <a:endParaRPr lang="en-US"/>
@@ -2680,6 +2708,7 @@
           <a:p>
             <a:fld id="{B8DA9FCC-4BC7-42FA-8050-A667096EA74D}" type="datetimeFigureOut">
               <a:rPr lang="en-US" smtClean="0"/>
+              <a:pPr/>
               <a:t>9/27/2021</a:t>
             </a:fld>
             <a:endParaRPr lang="en-US"/>
@@ -2758,6 +2787,7 @@
           <a:p>
             <a:fld id="{BF87A67D-0273-49C1-BC96-8CD2257BA14E}" type="slidenum">
               <a:rPr lang="en-US" smtClean="0"/>
+              <a:pPr/>
               <a:t>‹#›</a:t>
             </a:fld>
             <a:endParaRPr lang="en-US"/>
@@ -3181,12 +3211,46 @@
             <p:ph idx="1"/>
           </p:nvPr>
         </p:nvSpPr>
-        <p:spPr/>
-        <p:txBody>
-          <a:bodyPr/>
-          <a:lstStyle/>
-          <a:p>
-            <a:endParaRPr lang="en-US"/>
+        <p:spPr>
+          <a:xfrm>
+            <a:off x="533400" y="1371600"/>
+            <a:ext cx="8229600" cy="4525963"/>
+          </a:xfrm>
+        </p:spPr>
+        <p:txBody>
+          <a:bodyPr/>
+          <a:lstStyle/>
+          <a:p>
+            <a:r>
+              <a:rPr lang="en-US" dirty="0" err="1" smtClean="0"/>
+              <a:t>Int</a:t>
+            </a:r>
+            <a:r>
+              <a:rPr lang="en-US" dirty="0" smtClean="0"/>
+              <a:t> a[6] = {1,2,3,4,5,6};</a:t>
+            </a:r>
+          </a:p>
+          <a:p>
+            <a:r>
+              <a:rPr lang="en-US" dirty="0" smtClean="0"/>
+              <a:t>N = 6</a:t>
+            </a:r>
+          </a:p>
+          <a:p>
+            <a:r>
+              <a:rPr lang="en-US" dirty="0" smtClean="0"/>
+              <a:t>{6,5,4,3,2,1}</a:t>
+            </a:r>
+          </a:p>
+          <a:p>
+            <a:endParaRPr lang="en-US" dirty="0" smtClean="0"/>
+          </a:p>
+          <a:p>
+            <a:r>
+              <a:rPr lang="en-US" dirty="0" smtClean="0"/>
+              <a:t>{6,5,4,3,2,1}</a:t>
+            </a:r>
+            <a:endParaRPr lang="en-US" dirty="0"/>
           </a:p>
         </p:txBody>
       </p:sp>
@@ -3336,7 +3400,52 @@
           <a:bodyPr/>
           <a:lstStyle/>
           <a:p>
-            <a:endParaRPr lang="en-US"/>
+            <a:r>
+              <a:rPr lang="en-US" dirty="0" err="1" smtClean="0"/>
+              <a:t>Int</a:t>
+            </a:r>
+            <a:r>
+              <a:rPr lang="en-US" dirty="0" smtClean="0"/>
+              <a:t> secret = 3;</a:t>
+            </a:r>
+          </a:p>
+          <a:p>
+            <a:r>
+              <a:rPr lang="en-US" dirty="0" err="1" smtClean="0"/>
+              <a:t>Int</a:t>
+            </a:r>
+            <a:r>
+              <a:rPr lang="en-US" dirty="0" smtClean="0"/>
+              <a:t> </a:t>
+            </a:r>
+            <a:r>
+              <a:rPr lang="en-US" dirty="0" err="1" smtClean="0"/>
+              <a:t>guessLimit</a:t>
+            </a:r>
+            <a:r>
+              <a:rPr lang="en-US" dirty="0" smtClean="0"/>
+              <a:t> =1</a:t>
+            </a:r>
+          </a:p>
+          <a:p>
+            <a:r>
+              <a:rPr lang="en-US" dirty="0" smtClean="0"/>
+              <a:t> </a:t>
+            </a:r>
+            <a:r>
+              <a:rPr lang="en-US" dirty="0" smtClean="0"/>
+              <a:t>4</a:t>
+            </a:r>
+            <a:endParaRPr lang="en-US" dirty="0" smtClean="0"/>
+          </a:p>
+          <a:p>
+            <a:r>
+              <a:rPr lang="en-US" dirty="0" smtClean="0"/>
+              <a:t>-&gt; win</a:t>
+            </a:r>
+          </a:p>
+          <a:p>
+            <a:endParaRPr lang="en-US" dirty="0"/>
           </a:p>
         </p:txBody>
       </p:sp>
@@ -3548,7 +3657,15 @@
           <a:bodyPr/>
           <a:lstStyle/>
           <a:p>
-            <a:endParaRPr lang="en-US"/>
+            <a:r>
+              <a:rPr lang="en-US" dirty="0" err="1" smtClean="0"/>
+              <a:t>Int</a:t>
+            </a:r>
+            <a:r>
+              <a:rPr lang="en-US" dirty="0" smtClean="0"/>
+              <a:t> a[]</a:t>
+            </a:r>
+            <a:endParaRPr lang="en-US" dirty="0"/>
           </a:p>
         </p:txBody>
       </p:sp>
@@ -3621,7 +3738,258 @@
           <a:bodyPr/>
           <a:lstStyle/>
           <a:p>
-            <a:endParaRPr lang="en-US"/>
+            <a:endParaRPr lang="en-US" dirty="0"/>
+          </a:p>
+        </p:txBody>
+      </p:sp>
+    </p:spTree>
+  </p:cSld>
+  <p:clrMapOvr>
+    <a:masterClrMapping/>
+  </p:clrMapOvr>
+</p:sld>
+</file>
+
+<file path=ppt/slides/slide17.xml><?xml version="1.0" encoding="utf-8"?>
+<p:sld xmlns:a="http://schemas.openxmlformats.org/drawingml/2006/main" xmlns:r="http://schemas.openxmlformats.org/officeDocument/2006/relationships" xmlns:p="http://schemas.openxmlformats.org/presentationml/2006/main">
+  <p:cSld>
+    <p:spTree>
+      <p:nvGrpSpPr>
+        <p:cNvPr id="1" name=""/>
+        <p:cNvGrpSpPr/>
+        <p:nvPr/>
+      </p:nvGrpSpPr>
+      <p:grpSpPr>
+        <a:xfrm>
+          <a:off x="0" y="0"/>
+          <a:ext cx="0" cy="0"/>
+          <a:chOff x="0" y="0"/>
+          <a:chExt cx="0" cy="0"/>
+        </a:xfrm>
+      </p:grpSpPr>
+      <p:sp>
+        <p:nvSpPr>
+          <p:cNvPr id="2" name="Title 1"/>
+          <p:cNvSpPr>
+            <a:spLocks noGrp="1"/>
+          </p:cNvSpPr>
+          <p:nvPr>
+            <p:ph type="title"/>
+          </p:nvPr>
+        </p:nvSpPr>
+        <p:spPr/>
+        <p:txBody>
+          <a:bodyPr/>
+          <a:lstStyle/>
+          <a:p>
+            <a:r>
+              <a:rPr lang="en-US" dirty="0" smtClean="0"/>
+              <a:t>STL(Standard Template Library)</a:t>
+            </a:r>
+            <a:endParaRPr lang="en-US" dirty="0"/>
+          </a:p>
+        </p:txBody>
+      </p:sp>
+      <p:sp>
+        <p:nvSpPr>
+          <p:cNvPr id="3" name="Content Placeholder 2"/>
+          <p:cNvSpPr>
+            <a:spLocks noGrp="1"/>
+          </p:cNvSpPr>
+          <p:nvPr>
+            <p:ph idx="1"/>
+          </p:nvPr>
+        </p:nvSpPr>
+        <p:spPr/>
+        <p:txBody>
+          <a:bodyPr/>
+          <a:lstStyle/>
+          <a:p>
+            <a:r>
+              <a:rPr lang="en-US" dirty="0" smtClean="0"/>
+              <a:t>The Standard Template Library (STL) is a set of C++ template classes to provide common programming data structures and functions such as lists, stacks, arrays, etc. It is a library of container classes, algorithms, and </a:t>
+            </a:r>
+            <a:r>
+              <a:rPr lang="en-US" dirty="0" err="1" smtClean="0"/>
+              <a:t>iterators</a:t>
+            </a:r>
+            <a:r>
+              <a:rPr lang="en-US" dirty="0" smtClean="0"/>
+              <a:t>. It is a generalized library and so, its components are parameterized</a:t>
+            </a:r>
+            <a:endParaRPr lang="en-US" dirty="0"/>
+          </a:p>
+        </p:txBody>
+      </p:sp>
+    </p:spTree>
+  </p:cSld>
+  <p:clrMapOvr>
+    <a:masterClrMapping/>
+  </p:clrMapOvr>
+</p:sld>
+</file>
+
+<file path=ppt/slides/slide18.xml><?xml version="1.0" encoding="utf-8"?>
+<p:sld xmlns:a="http://schemas.openxmlformats.org/drawingml/2006/main" xmlns:r="http://schemas.openxmlformats.org/officeDocument/2006/relationships" xmlns:p="http://schemas.openxmlformats.org/presentationml/2006/main">
+  <p:cSld>
+    <p:spTree>
+      <p:nvGrpSpPr>
+        <p:cNvPr id="1" name=""/>
+        <p:cNvGrpSpPr/>
+        <p:nvPr/>
+      </p:nvGrpSpPr>
+      <p:grpSpPr>
+        <a:xfrm>
+          <a:off x="0" y="0"/>
+          <a:ext cx="0" cy="0"/>
+          <a:chOff x="0" y="0"/>
+          <a:chExt cx="0" cy="0"/>
+        </a:xfrm>
+      </p:grpSpPr>
+      <p:sp>
+        <p:nvSpPr>
+          <p:cNvPr id="2" name="Title 1"/>
+          <p:cNvSpPr>
+            <a:spLocks noGrp="1"/>
+          </p:cNvSpPr>
+          <p:nvPr>
+            <p:ph type="title"/>
+          </p:nvPr>
+        </p:nvSpPr>
+        <p:spPr/>
+        <p:txBody>
+          <a:bodyPr/>
+          <a:lstStyle/>
+          <a:p>
+            <a:r>
+              <a:rPr lang="en-US" dirty="0" smtClean="0"/>
+              <a:t>Different STL</a:t>
+            </a:r>
+            <a:endParaRPr lang="en-US" dirty="0"/>
+          </a:p>
+        </p:txBody>
+      </p:sp>
+      <p:pic>
+        <p:nvPicPr>
+          <p:cNvPr id="1026" name="Picture 2" descr="C:\Users\Admin\OneDrive\Desktop\stl.PNG"/>
+          <p:cNvPicPr>
+            <a:picLocks noChangeAspect="1" noChangeArrowheads="1"/>
+          </p:cNvPicPr>
+          <p:nvPr/>
+        </p:nvPicPr>
+        <p:blipFill>
+          <a:blip r:embed="rId2"/>
+          <a:srcRect/>
+          <a:stretch>
+            <a:fillRect/>
+          </a:stretch>
+        </p:blipFill>
+        <p:spPr bwMode="auto">
+          <a:xfrm>
+            <a:off x="838200" y="1219200"/>
+            <a:ext cx="7467600" cy="5063758"/>
+          </a:xfrm>
+          <a:prstGeom prst="rect">
+            <a:avLst/>
+          </a:prstGeom>
+          <a:noFill/>
+        </p:spPr>
+      </p:pic>
+    </p:spTree>
+  </p:cSld>
+  <p:clrMapOvr>
+    <a:masterClrMapping/>
+  </p:clrMapOvr>
+</p:sld>
+</file>
+
+<file path=ppt/slides/slide19.xml><?xml version="1.0" encoding="utf-8"?>
+<p:sld xmlns:a="http://schemas.openxmlformats.org/drawingml/2006/main" xmlns:r="http://schemas.openxmlformats.org/officeDocument/2006/relationships" xmlns:p="http://schemas.openxmlformats.org/presentationml/2006/main">
+  <p:cSld>
+    <p:spTree>
+      <p:nvGrpSpPr>
+        <p:cNvPr id="1" name=""/>
+        <p:cNvGrpSpPr/>
+        <p:nvPr/>
+      </p:nvGrpSpPr>
+      <p:grpSpPr>
+        <a:xfrm>
+          <a:off x="0" y="0"/>
+          <a:ext cx="0" cy="0"/>
+          <a:chOff x="0" y="0"/>
+          <a:chExt cx="0" cy="0"/>
+        </a:xfrm>
+      </p:grpSpPr>
+      <p:sp>
+        <p:nvSpPr>
+          <p:cNvPr id="2" name="Title 1"/>
+          <p:cNvSpPr>
+            <a:spLocks noGrp="1"/>
+          </p:cNvSpPr>
+          <p:nvPr>
+            <p:ph type="title"/>
+          </p:nvPr>
+        </p:nvSpPr>
+        <p:spPr/>
+        <p:txBody>
+          <a:bodyPr/>
+          <a:lstStyle/>
+          <a:p>
+            <a:r>
+              <a:rPr lang="en-US" dirty="0" smtClean="0"/>
+              <a:t>Vectors</a:t>
+            </a:r>
+            <a:endParaRPr lang="en-US" dirty="0"/>
+          </a:p>
+        </p:txBody>
+      </p:sp>
+      <p:sp>
+        <p:nvSpPr>
+          <p:cNvPr id="3" name="Content Placeholder 2"/>
+          <p:cNvSpPr>
+            <a:spLocks noGrp="1"/>
+          </p:cNvSpPr>
+          <p:nvPr>
+            <p:ph idx="1"/>
+          </p:nvPr>
+        </p:nvSpPr>
+        <p:spPr/>
+        <p:txBody>
+          <a:bodyPr>
+            <a:normAutofit fontScale="92500" lnSpcReduction="20000"/>
+          </a:bodyPr>
+          <a:lstStyle/>
+          <a:p>
+            <a:pPr fontAlgn="base"/>
+            <a:r>
+              <a:rPr lang="en-US" dirty="0" smtClean="0"/>
+              <a:t>Vectors are same as dynamic arrays with the ability to resize itself automatically when an element is inserted or deleted, with their storage being handled automatically by the container. Vector elements are placed in contiguous storage so that they can be accessed and traversed using </a:t>
+            </a:r>
+            <a:r>
+              <a:rPr lang="en-US" dirty="0" err="1" smtClean="0"/>
+              <a:t>iterators</a:t>
+            </a:r>
+            <a:r>
+              <a:rPr lang="en-US" dirty="0" smtClean="0"/>
+              <a:t>. In vectors, data is inserted at the </a:t>
+            </a:r>
+            <a:r>
+              <a:rPr lang="en-US" dirty="0" smtClean="0"/>
+              <a:t>end. </a:t>
+            </a:r>
+            <a:r>
+              <a:rPr lang="en-US" dirty="0" smtClean="0"/>
+              <a:t>Removing the last element takes only constant time because no resizing happens. Inserting and erasing at the beginning or in the middle is linear in time.</a:t>
+            </a:r>
+          </a:p>
+          <a:p>
+            <a:pPr fontAlgn="base">
+              <a:buNone/>
+            </a:pPr>
+            <a:endParaRPr lang="en-US" dirty="0" smtClean="0"/>
+          </a:p>
+          <a:p>
+            <a:endParaRPr lang="en-US" dirty="0"/>
           </a:p>
         </p:txBody>
       </p:sp>
@@ -3683,6 +4051,240 @@
   <p:clrMapOvr>
     <a:masterClrMapping/>
   </p:clrMapOvr>
+  <p:timing>
+    <p:tnLst>
+      <p:par>
+        <p:cTn id="1" dur="indefinite" restart="never" nodeType="tmRoot"/>
+      </p:par>
+    </p:tnLst>
+  </p:timing>
+</p:sld>
+</file>
+
+<file path=ppt/slides/slide20.xml><?xml version="1.0" encoding="utf-8"?>
+<p:sld xmlns:a="http://schemas.openxmlformats.org/drawingml/2006/main" xmlns:r="http://schemas.openxmlformats.org/officeDocument/2006/relationships" xmlns:p="http://schemas.openxmlformats.org/presentationml/2006/main">
+  <p:cSld>
+    <p:spTree>
+      <p:nvGrpSpPr>
+        <p:cNvPr id="1" name=""/>
+        <p:cNvGrpSpPr/>
+        <p:nvPr/>
+      </p:nvGrpSpPr>
+      <p:grpSpPr>
+        <a:xfrm>
+          <a:off x="0" y="0"/>
+          <a:ext cx="0" cy="0"/>
+          <a:chOff x="0" y="0"/>
+          <a:chExt cx="0" cy="0"/>
+        </a:xfrm>
+      </p:grpSpPr>
+      <p:sp>
+        <p:nvSpPr>
+          <p:cNvPr id="2" name="Title 1"/>
+          <p:cNvSpPr>
+            <a:spLocks noGrp="1"/>
+          </p:cNvSpPr>
+          <p:nvPr>
+            <p:ph type="title"/>
+          </p:nvPr>
+        </p:nvSpPr>
+        <p:spPr/>
+        <p:txBody>
+          <a:bodyPr/>
+          <a:lstStyle/>
+          <a:p>
+            <a:r>
+              <a:rPr lang="en-US" dirty="0" smtClean="0"/>
+              <a:t>Set</a:t>
+            </a:r>
+            <a:endParaRPr lang="en-US" dirty="0"/>
+          </a:p>
+        </p:txBody>
+      </p:sp>
+      <p:sp>
+        <p:nvSpPr>
+          <p:cNvPr id="3" name="Content Placeholder 2"/>
+          <p:cNvSpPr>
+            <a:spLocks noGrp="1"/>
+          </p:cNvSpPr>
+          <p:nvPr>
+            <p:ph idx="1"/>
+          </p:nvPr>
+        </p:nvSpPr>
+        <p:spPr/>
+        <p:txBody>
+          <a:bodyPr/>
+          <a:lstStyle/>
+          <a:p>
+            <a:r>
+              <a:rPr lang="en-US" dirty="0" smtClean="0"/>
+              <a:t>Sets are a type of associative containers in which each element has to be unique,</a:t>
+            </a:r>
+            <a:endParaRPr lang="en-US" dirty="0"/>
+          </a:p>
+        </p:txBody>
+      </p:sp>
+    </p:spTree>
+  </p:cSld>
+  <p:clrMapOvr>
+    <a:masterClrMapping/>
+  </p:clrMapOvr>
+</p:sld>
+</file>
+
+<file path=ppt/slides/slide21.xml><?xml version="1.0" encoding="utf-8"?>
+<p:sld xmlns:a="http://schemas.openxmlformats.org/drawingml/2006/main" xmlns:r="http://schemas.openxmlformats.org/officeDocument/2006/relationships" xmlns:p="http://schemas.openxmlformats.org/presentationml/2006/main">
+  <p:cSld>
+    <p:spTree>
+      <p:nvGrpSpPr>
+        <p:cNvPr id="1" name=""/>
+        <p:cNvGrpSpPr/>
+        <p:nvPr/>
+      </p:nvGrpSpPr>
+      <p:grpSpPr>
+        <a:xfrm>
+          <a:off x="0" y="0"/>
+          <a:ext cx="0" cy="0"/>
+          <a:chOff x="0" y="0"/>
+          <a:chExt cx="0" cy="0"/>
+        </a:xfrm>
+      </p:grpSpPr>
+      <p:sp>
+        <p:nvSpPr>
+          <p:cNvPr id="2" name="Title 1"/>
+          <p:cNvSpPr>
+            <a:spLocks noGrp="1"/>
+          </p:cNvSpPr>
+          <p:nvPr>
+            <p:ph type="title"/>
+          </p:nvPr>
+        </p:nvSpPr>
+        <p:spPr/>
+        <p:txBody>
+          <a:bodyPr/>
+          <a:lstStyle/>
+          <a:p>
+            <a:r>
+              <a:rPr lang="en-US" dirty="0" smtClean="0"/>
+              <a:t>Vector </a:t>
+            </a:r>
+            <a:r>
+              <a:rPr lang="en-US" dirty="0" err="1" smtClean="0"/>
+              <a:t>vs</a:t>
+            </a:r>
+            <a:r>
+              <a:rPr lang="en-US" dirty="0" smtClean="0"/>
+              <a:t> Sets</a:t>
+            </a:r>
+            <a:endParaRPr lang="en-US" dirty="0"/>
+          </a:p>
+        </p:txBody>
+      </p:sp>
+      <p:pic>
+        <p:nvPicPr>
+          <p:cNvPr id="2050" name="Picture 2" descr="C:\Users\Admin\OneDrive\Desktop\setvsvec.PNG"/>
+          <p:cNvPicPr>
+            <a:picLocks noChangeAspect="1" noChangeArrowheads="1"/>
+          </p:cNvPicPr>
+          <p:nvPr/>
+        </p:nvPicPr>
+        <p:blipFill>
+          <a:blip r:embed="rId2"/>
+          <a:srcRect/>
+          <a:stretch>
+            <a:fillRect/>
+          </a:stretch>
+        </p:blipFill>
+        <p:spPr bwMode="auto">
+          <a:xfrm>
+            <a:off x="838200" y="1600200"/>
+            <a:ext cx="7162800" cy="3962400"/>
+          </a:xfrm>
+          <a:prstGeom prst="rect">
+            <a:avLst/>
+          </a:prstGeom>
+          <a:noFill/>
+        </p:spPr>
+      </p:pic>
+    </p:spTree>
+  </p:cSld>
+  <p:clrMapOvr>
+    <a:masterClrMapping/>
+  </p:clrMapOvr>
+</p:sld>
+</file>
+
+<file path=ppt/slides/slide22.xml><?xml version="1.0" encoding="utf-8"?>
+<p:sld xmlns:a="http://schemas.openxmlformats.org/drawingml/2006/main" xmlns:r="http://schemas.openxmlformats.org/officeDocument/2006/relationships" xmlns:p="http://schemas.openxmlformats.org/presentationml/2006/main">
+  <p:cSld>
+    <p:spTree>
+      <p:nvGrpSpPr>
+        <p:cNvPr id="1" name=""/>
+        <p:cNvGrpSpPr/>
+        <p:nvPr/>
+      </p:nvGrpSpPr>
+      <p:grpSpPr>
+        <a:xfrm>
+          <a:off x="0" y="0"/>
+          <a:ext cx="0" cy="0"/>
+          <a:chOff x="0" y="0"/>
+          <a:chExt cx="0" cy="0"/>
+        </a:xfrm>
+      </p:grpSpPr>
+      <p:sp>
+        <p:nvSpPr>
+          <p:cNvPr id="2" name="Title 1"/>
+          <p:cNvSpPr>
+            <a:spLocks noGrp="1"/>
+          </p:cNvSpPr>
+          <p:nvPr>
+            <p:ph type="title"/>
+          </p:nvPr>
+        </p:nvSpPr>
+        <p:spPr/>
+        <p:txBody>
+          <a:bodyPr/>
+          <a:lstStyle/>
+          <a:p>
+            <a:r>
+              <a:rPr lang="en-US" dirty="0" smtClean="0"/>
+              <a:t>Map</a:t>
+            </a:r>
+            <a:endParaRPr lang="en-US" dirty="0"/>
+          </a:p>
+        </p:txBody>
+      </p:sp>
+      <p:sp>
+        <p:nvSpPr>
+          <p:cNvPr id="3" name="Content Placeholder 2"/>
+          <p:cNvSpPr>
+            <a:spLocks noGrp="1"/>
+          </p:cNvSpPr>
+          <p:nvPr>
+            <p:ph idx="1"/>
+          </p:nvPr>
+        </p:nvSpPr>
+        <p:spPr/>
+        <p:txBody>
+          <a:bodyPr/>
+          <a:lstStyle/>
+          <a:p>
+            <a:r>
+              <a:rPr lang="en-US" dirty="0" smtClean="0"/>
+              <a:t>Maps are associative containers that store elements in a mapped fashion. Each element has a key value and a mapped value. No two mapped values can have same key values.</a:t>
+            </a:r>
+            <a:br>
+              <a:rPr lang="en-US" dirty="0" smtClean="0"/>
+            </a:br>
+            <a:endParaRPr lang="en-US" dirty="0"/>
+          </a:p>
+        </p:txBody>
+      </p:sp>
+    </p:spTree>
+  </p:cSld>
+  <p:clrMapOvr>
+    <a:masterClrMapping/>
+  </p:clrMapOvr>
 </p:sld>
 </file>
 
@@ -3741,6 +4343,13 @@
   <p:clrMapOvr>
     <a:masterClrMapping/>
   </p:clrMapOvr>
+  <p:timing>
+    <p:tnLst>
+      <p:par>
+        <p:cTn id="1" dur="indefinite" restart="never" nodeType="tmRoot"/>
+      </p:par>
+    </p:tnLst>
+  </p:timing>
 </p:sld>
 </file>
 
@@ -3840,6 +4449,13 @@
   <p:clrMapOvr>
     <a:masterClrMapping/>
   </p:clrMapOvr>
+  <p:timing>
+    <p:tnLst>
+      <p:par>
+        <p:cTn id="1" dur="indefinite" restart="never" nodeType="tmRoot"/>
+      </p:par>
+    </p:tnLst>
+  </p:timing>
 </p:sld>
 </file>
 
@@ -3919,9 +4535,10 @@
           <a:p>
             <a:pPr lvl="0"/>
             <a:r>
-              <a:rPr lang="en-US" dirty="0"/>
+              <a:rPr lang="en-US" dirty="0" smtClean="0"/>
               <a:t>calculator</a:t>
             </a:r>
+            <a:endParaRPr lang="en-US" dirty="0"/>
           </a:p>
           <a:p>
             <a:pPr lvl="0"/>
@@ -3964,6 +4581,13 @@
   <p:clrMapOvr>
     <a:masterClrMapping/>
   </p:clrMapOvr>
+  <p:timing>
+    <p:tnLst>
+      <p:par>
+        <p:cTn id="1" dur="indefinite" restart="never" nodeType="tmRoot"/>
+      </p:par>
+    </p:tnLst>
+  </p:timing>
 </p:sld>
 </file>
 
@@ -4017,6 +4641,13 @@
   <p:clrMapOvr>
     <a:masterClrMapping/>
   </p:clrMapOvr>
+  <p:timing>
+    <p:tnLst>
+      <p:par>
+        <p:cTn id="1" dur="indefinite" restart="never" nodeType="tmRoot"/>
+      </p:par>
+    </p:tnLst>
+  </p:timing>
 </p:sld>
 </file>
 
@@ -4101,6 +4732,38 @@
             <a:pPr>
               <a:buNone/>
             </a:pPr>
+            <a:r>
+              <a:rPr lang="en-US" dirty="0" smtClean="0"/>
+              <a:t>	a[5] = {2,3,3,4,1}; </a:t>
+            </a:r>
+          </a:p>
+          <a:p>
+            <a:pPr>
+              <a:buNone/>
+            </a:pPr>
+            <a:r>
+              <a:rPr lang="en-US" dirty="0" smtClean="0"/>
+              <a:t>	</a:t>
+            </a:r>
+            <a:r>
+              <a:rPr lang="en-US" dirty="0" smtClean="0"/>
+              <a:t>sum = </a:t>
+            </a:r>
+            <a:r>
+              <a:rPr lang="en-US" dirty="0" smtClean="0"/>
+              <a:t>13</a:t>
+            </a:r>
+          </a:p>
+          <a:p>
+            <a:pPr>
+              <a:buNone/>
+            </a:pPr>
+            <a:endParaRPr lang="en-US" dirty="0" smtClean="0"/>
+          </a:p>
+          <a:p>
+            <a:pPr>
+              <a:buNone/>
+            </a:pPr>
             <a:endParaRPr lang="en-US" dirty="0"/>
           </a:p>
         </p:txBody>
@@ -4140,6 +4803,13 @@
   <p:clrMapOvr>
     <a:masterClrMapping/>
   </p:clrMapOvr>
+  <p:timing>
+    <p:tnLst>
+      <p:par>
+        <p:cTn id="1" dur="indefinite" restart="never" nodeType="tmRoot"/>
+      </p:par>
+    </p:tnLst>
+  </p:timing>
 </p:sld>
 </file>
 
@@ -4204,6 +4874,67 @@
           <a:bodyPr/>
           <a:lstStyle/>
           <a:p>
+            <a:r>
+              <a:rPr lang="en-US" dirty="0" err="1" smtClean="0"/>
+              <a:t>Int</a:t>
+            </a:r>
+            <a:r>
+              <a:rPr lang="en-US" dirty="0" smtClean="0"/>
+              <a:t> a[5] = {1,1,1,1,2};</a:t>
+            </a:r>
+          </a:p>
+          <a:p>
+            <a:r>
+              <a:rPr lang="en-US" dirty="0" err="1" smtClean="0"/>
+              <a:t>Int</a:t>
+            </a:r>
+            <a:r>
+              <a:rPr lang="en-US" dirty="0" smtClean="0"/>
+              <a:t> </a:t>
+            </a:r>
+            <a:r>
+              <a:rPr lang="en-US" dirty="0" err="1" smtClean="0"/>
+              <a:t>firstelement</a:t>
+            </a:r>
+            <a:r>
+              <a:rPr lang="en-US" dirty="0" smtClean="0"/>
+              <a:t> = a[0]; // 1</a:t>
+            </a:r>
+          </a:p>
+          <a:p>
+            <a:endParaRPr lang="en-US" dirty="0" smtClean="0"/>
+          </a:p>
+          <a:p>
+            <a:r>
+              <a:rPr lang="en-US" dirty="0" smtClean="0"/>
+              <a:t>a[1,1,1,1]</a:t>
+            </a:r>
+          </a:p>
+          <a:p>
+            <a:r>
+              <a:rPr lang="en-US" dirty="0" smtClean="0"/>
+              <a:t>1-&gt;</a:t>
+            </a:r>
+            <a:r>
+              <a:rPr lang="en-US" dirty="0" err="1" smtClean="0"/>
+              <a:t>ec</a:t>
+            </a:r>
+            <a:endParaRPr lang="en-US" dirty="0" smtClean="0"/>
+          </a:p>
+          <a:p>
+            <a:r>
+              <a:rPr lang="en-US" dirty="0" smtClean="0"/>
+              <a:t>2-dia</a:t>
+            </a:r>
+          </a:p>
+          <a:p>
+            <a:r>
+              <a:rPr lang="en-US" dirty="0" smtClean="0"/>
+              <a:t>a[1,1,1,2]</a:t>
+            </a:r>
+            <a:endParaRPr lang="en-US" dirty="0" smtClean="0"/>
+          </a:p>
+          <a:p>
             <a:endParaRPr lang="en-US" dirty="0"/>
           </a:p>
         </p:txBody>
@@ -4213,6 +4944,13 @@
   <p:clrMapOvr>
     <a:masterClrMapping/>
   </p:clrMapOvr>
+  <p:timing>
+    <p:tnLst>
+      <p:par>
+        <p:cTn id="1" dur="indefinite" restart="never" nodeType="tmRoot"/>
+      </p:par>
+    </p:tnLst>
+  </p:timing>
 </p:sld>
 </file>
 
@@ -4273,7 +5011,34 @@
           <a:bodyPr/>
           <a:lstStyle/>
           <a:p>
-            <a:endParaRPr lang="en-US" dirty="0"/>
+            <a:r>
+              <a:rPr lang="en-US" dirty="0" smtClean="0"/>
+              <a:t>a[5] </a:t>
+            </a:r>
+            <a:r>
+              <a:rPr lang="en-US" dirty="0" smtClean="0"/>
+              <a:t>= </a:t>
+            </a:r>
+            <a:r>
+              <a:rPr lang="en-US" dirty="0" smtClean="0"/>
+              <a:t>{2,3,3,4,1</a:t>
+            </a:r>
+            <a:r>
+              <a:rPr lang="en-US" dirty="0" smtClean="0"/>
+              <a:t>};</a:t>
+            </a:r>
+          </a:p>
+          <a:p>
+            <a:endParaRPr lang="en-US" dirty="0" smtClean="0"/>
+          </a:p>
+          <a:p>
+            <a:r>
+              <a:rPr lang="en-US" dirty="0" smtClean="0"/>
+              <a:t>Min = a[0]; 2</a:t>
+            </a:r>
+          </a:p>
+          <a:p>
+            <a:endParaRPr lang="en-US" dirty="0" smtClean="0"/>
           </a:p>
         </p:txBody>
       </p:sp>
@@ -4282,6 +5047,13 @@
   <p:clrMapOvr>
     <a:masterClrMapping/>
   </p:clrMapOvr>
+  <p:timing>
+    <p:tnLst>
+      <p:par>
+        <p:cTn id="1" dur="indefinite" restart="never" nodeType="tmRoot"/>
+      </p:par>
+    </p:tnLst>
+  </p:timing>
 </p:sld>
 </file>
 
